--- a/Computación Grafica.pptx
+++ b/Computación Grafica.pptx
@@ -124,6 +124,11 @@
       </a:defRPr>
     </a:lvl9pPr>
   </p:defaultTextStyle>
+  <p:extLst>
+    <p:ext uri="{EFAFB233-063F-42B5-8137-9DF3F51BA10A}">
+      <p15:sldGuideLst xmlns:p15="http://schemas.microsoft.com/office/powerpoint/2012/main"/>
+    </p:ext>
+  </p:extLst>
 </p:presentation>
 </file>
 
@@ -6894,36 +6899,6 @@
           <a:chExt cx="0" cy="0"/>
         </a:xfrm>
       </p:grpSpPr>
-      <p:pic>
-        <p:nvPicPr>
-          <p:cNvPr id="7" name="Imagen 6">
-            <a:extLst>
-              <a:ext uri="{FF2B5EF4-FFF2-40B4-BE49-F238E27FC236}">
-                <a16:creationId xmlns:a16="http://schemas.microsoft.com/office/drawing/2014/main" id="{82A20EB8-62EA-2714-BD8B-26D709E9A1B6}"/>
-              </a:ext>
-            </a:extLst>
-          </p:cNvPr>
-          <p:cNvPicPr>
-            <a:picLocks noChangeAspect="1"/>
-          </p:cNvPicPr>
-          <p:nvPr/>
-        </p:nvPicPr>
-        <p:blipFill>
-          <a:blip r:embed="rId2"/>
-          <a:stretch>
-            <a:fillRect/>
-          </a:stretch>
-        </p:blipFill>
-        <p:spPr>
-          <a:xfrm>
-            <a:off x="363225" y="3442885"/>
-            <a:ext cx="7913908" cy="3147230"/>
-          </a:xfrm>
-          <a:prstGeom prst="rect">
-            <a:avLst/>
-          </a:prstGeom>
-        </p:spPr>
-      </p:pic>
       <p:sp>
         <p:nvSpPr>
           <p:cNvPr id="2" name="Título 1">
@@ -6974,7 +6949,7 @@
           <p:nvPr/>
         </p:nvPicPr>
         <p:blipFill>
-          <a:blip r:embed="rId3">
+          <a:blip r:embed="rId2">
             <a:alphaModFix amt="50000"/>
             <a:extLst>
               <a:ext uri="{28A0092B-C50C-407E-A947-70E740481C1C}">
@@ -7278,11 +7253,11 @@
           <p:nvPr/>
         </p:nvPicPr>
         <p:blipFill>
-          <a:blip r:embed="rId4">
+          <a:blip r:embed="rId3">
             <a:extLst>
               <a:ext uri="{BEBA8EAE-BF5A-486C-A8C5-ECC9F3942E4B}">
                 <a14:imgProps xmlns:a14="http://schemas.microsoft.com/office/drawing/2010/main">
-                  <a14:imgLayer r:embed="rId5">
+                  <a14:imgLayer r:embed="rId4">
                     <a14:imgEffect>
                       <a14:backgroundRemoval t="6389" b="95278" l="6111" r="93056">
                         <a14:foregroundMark x1="44722" y1="77222" x2="80000" y2="40556"/>
@@ -7462,6 +7437,36 @@
           </a:p>
         </p:txBody>
       </p:sp>
+      <p:pic>
+        <p:nvPicPr>
+          <p:cNvPr id="8" name="Imagen 7">
+            <a:extLst>
+              <a:ext uri="{FF2B5EF4-FFF2-40B4-BE49-F238E27FC236}">
+                <a16:creationId xmlns:a16="http://schemas.microsoft.com/office/drawing/2014/main" id="{DB84311F-EAD7-828A-4B40-E97561A7183A}"/>
+              </a:ext>
+            </a:extLst>
+          </p:cNvPr>
+          <p:cNvPicPr>
+            <a:picLocks noChangeAspect="1"/>
+          </p:cNvPicPr>
+          <p:nvPr/>
+        </p:nvPicPr>
+        <p:blipFill>
+          <a:blip r:embed="rId5"/>
+          <a:stretch>
+            <a:fillRect/>
+          </a:stretch>
+        </p:blipFill>
+        <p:spPr>
+          <a:xfrm>
+            <a:off x="461913" y="2914266"/>
+            <a:ext cx="6155703" cy="3699202"/>
+          </a:xfrm>
+          <a:prstGeom prst="rect">
+            <a:avLst/>
+          </a:prstGeom>
+        </p:spPr>
+      </p:pic>
     </p:spTree>
     <p:extLst>
       <p:ext uri="{BB962C8B-B14F-4D97-AF65-F5344CB8AC3E}">
@@ -11864,7 +11869,7 @@
             </a:r>
             <a:r>
               <a:rPr lang="es-CL" sz="4400" dirty="0"/>
-              <a:t>el cual mantiene té una interacción con la base de datos </a:t>
+              <a:t>el cual mantiene una interacción con la base de datos </a:t>
             </a:r>
             <a:r>
               <a:rPr lang="es-CL" sz="4400" u="sng" dirty="0"/>
